--- a/OpenXmlDocumentFormatPPT/OpenXmlDocumentFormatPPT/TemplatePPT/Plantilla1.pptx
+++ b/OpenXmlDocumentFormatPPT/OpenXmlDocumentFormatPPT/TemplatePPT/Plantilla1.pptx
@@ -6,20 +6,21 @@
   </p:sldMasterIdLst>
   <p:sldIdLst>
     <p:sldId id="257" r:id="rId2"/>
+    <p:sldId id="258" r:id="rId3"/>
   </p:sldIdLst>
   <p:sldSz cx="12192000" cy="6858000"/>
   <p:notesSz cx="6858000" cy="9144000"/>
   <p:embeddedFontLst>
     <p:embeddedFont>
       <p:font typeface="Trebuchet MS" panose="020B0603020202020204" pitchFamily="34" charset="0"/>
-      <p:regular r:id="rId3"/>
-      <p:bold r:id="rId4"/>
-      <p:italic r:id="rId5"/>
-      <p:boldItalic r:id="rId6"/>
+      <p:regular r:id="rId4"/>
+      <p:bold r:id="rId5"/>
+      <p:italic r:id="rId6"/>
+      <p:boldItalic r:id="rId7"/>
     </p:embeddedFont>
   </p:embeddedFontLst>
   <p:custDataLst>
-    <p:tags r:id="rId7"/>
+    <p:tags r:id="rId8"/>
   </p:custDataLst>
   <p:defaultTextStyle>
     <a:defPPr>
@@ -415,7 +416,7 @@
           <a:p>
             <a:fld id="{78ABE3C1-DBE1-495D-B57B-2849774B866A}" type="datetimeFigureOut">
               <a:rPr lang="en-US"/>
-              <a:t>9/30/2020</a:t>
+              <a:t>10/2/2020</a:t>
             </a:fld>
             <a:endParaRPr lang="en-US"/>
           </a:p>
@@ -839,7 +840,7 @@
           <a:p>
             <a:fld id="{446C117F-5CCF-4837-BE5F-2B92066CAFAF}" type="datetimeFigureOut">
               <a:rPr lang="en-US"/>
-              <a:t>9/30/2020</a:t>
+              <a:t>10/2/2020</a:t>
             </a:fld>
             <a:endParaRPr lang="en-US"/>
           </a:p>
@@ -1185,7 +1186,7 @@
           <a:p>
             <a:fld id="{84EB90BD-B6CE-46B7-997F-7313B992CCDC}" type="datetimeFigureOut">
               <a:rPr lang="en-US"/>
-              <a:t>9/30/2020</a:t>
+              <a:t>10/2/2020</a:t>
             </a:fld>
             <a:endParaRPr lang="en-US"/>
           </a:p>
@@ -1600,7 +1601,7 @@
           <a:p>
             <a:fld id="{CDB9D11F-B188-461D-B23F-39381795C052}" type="datetimeFigureOut">
               <a:rPr lang="en-US"/>
-              <a:t>9/30/2020</a:t>
+              <a:t>10/2/2020</a:t>
             </a:fld>
             <a:endParaRPr lang="en-US"/>
           </a:p>
@@ -2178,7 +2179,7 @@
           <a:p>
             <a:fld id="{52E6D8D9-55A2-4063-B0F3-121F44549695}" type="datetimeFigureOut">
               <a:rPr lang="en-US"/>
-              <a:t>9/30/2020</a:t>
+              <a:t>10/2/2020</a:t>
             </a:fld>
             <a:endParaRPr lang="en-US"/>
           </a:p>
@@ -2869,7 +2870,7 @@
           <a:p>
             <a:fld id="{D4B24536-994D-4021-A283-9F449C0DB509}" type="datetimeFigureOut">
               <a:rPr lang="en-US"/>
-              <a:t>9/30/2020</a:t>
+              <a:t>10/2/2020</a:t>
             </a:fld>
             <a:endParaRPr lang="en-US"/>
           </a:p>
@@ -3792,7 +3793,7 @@
           <a:p>
             <a:fld id="{3CBBBB78-C96F-47B7-AB17-D852CA960AC9}" type="datetimeFigureOut">
               <a:rPr lang="en-US"/>
-              <a:t>9/30/2020</a:t>
+              <a:t>10/2/2020</a:t>
             </a:fld>
             <a:endParaRPr lang="en-US"/>
           </a:p>
@@ -4115,7 +4116,7 @@
           <a:p>
             <a:fld id="{1FA3F48C-C7C6-4055-9F49-3777875E72AE}" type="datetimeFigureOut">
               <a:rPr lang="en-US"/>
-              <a:t>9/30/2020</a:t>
+              <a:t>10/2/2020</a:t>
             </a:fld>
             <a:endParaRPr lang="en-US"/>
           </a:p>
@@ -4389,7 +4390,7 @@
           <a:p>
             <a:fld id="{6178E61D-D431-422C-9764-11DAFE33AB63}" type="datetimeFigureOut">
               <a:rPr lang="en-US"/>
-              <a:t>9/30/2020</a:t>
+              <a:t>10/2/2020</a:t>
             </a:fld>
             <a:endParaRPr lang="en-US"/>
           </a:p>
@@ -4722,7 +4723,7 @@
           <a:p>
             <a:fld id="{12DE42F4-6EEF-4EF7-8ED4-2208F0F89A08}" type="datetimeFigureOut">
               <a:rPr lang="en-US"/>
-              <a:t>9/30/2020</a:t>
+              <a:t>10/2/2020</a:t>
             </a:fld>
             <a:endParaRPr lang="en-US"/>
           </a:p>
@@ -5121,7 +5122,7 @@
           <a:p>
             <a:fld id="{30578ACC-22D6-47C1-A373-4FD133E34F3C}" type="datetimeFigureOut">
               <a:rPr lang="en-US"/>
-              <a:t>9/30/2020</a:t>
+              <a:t>10/2/2020</a:t>
             </a:fld>
             <a:endParaRPr lang="en-US"/>
           </a:p>
@@ -5507,7 +5508,7 @@
           <a:p>
             <a:fld id="{4E5A6C69-6797-4E8A-BF37-F2C3751466E9}" type="datetimeFigureOut">
               <a:rPr lang="en-US"/>
-              <a:t>9/30/2020</a:t>
+              <a:t>10/2/2020</a:t>
             </a:fld>
             <a:endParaRPr lang="en-US"/>
           </a:p>
@@ -6023,7 +6024,7 @@
           <a:p>
             <a:fld id="{D82014A1-A632-4878-A0D3-F52BA7563730}" type="datetimeFigureOut">
               <a:rPr lang="en-US"/>
-              <a:t>9/30/2020</a:t>
+              <a:t>10/2/2020</a:t>
             </a:fld>
             <a:endParaRPr lang="en-US"/>
           </a:p>
@@ -6290,7 +6291,7 @@
           <a:p>
             <a:fld id="{CE99F462-093F-4566-844B-4C71F2739DA5}" type="datetimeFigureOut">
               <a:rPr lang="en-US"/>
-              <a:t>9/30/2020</a:t>
+              <a:t>10/2/2020</a:t>
             </a:fld>
             <a:endParaRPr lang="en-US"/>
           </a:p>
@@ -6456,7 +6457,7 @@
           <a:p>
             <a:fld id="{3D24A7AC-904D-4781-85BA-7D10C17ED021}" type="datetimeFigureOut">
               <a:rPr lang="en-US"/>
-              <a:t>9/30/2020</a:t>
+              <a:t>10/2/2020</a:t>
             </a:fld>
             <a:endParaRPr lang="en-US"/>
           </a:p>
@@ -6856,7 +6857,7 @@
           <a:p>
             <a:fld id="{E331444B-B92B-4E27-8C94-BB93EAF5CB18}" type="datetimeFigureOut">
               <a:rPr lang="en-US"/>
-              <a:t>9/30/2020</a:t>
+              <a:t>10/2/2020</a:t>
             </a:fld>
             <a:endParaRPr lang="en-US"/>
           </a:p>
@@ -7275,7 +7276,7 @@
           <a:p>
             <a:fld id="{363EFA5E-FA76-400D-B3DC-F0BA90E6D107}" type="datetimeFigureOut">
               <a:rPr lang="en-US"/>
-              <a:t>9/30/2020</a:t>
+              <a:t>10/2/2020</a:t>
             </a:fld>
             <a:endParaRPr lang="en-US"/>
           </a:p>
@@ -7515,7 +7516,7 @@
           <a:p>
             <a:fld id="{9D6E9DEC-419B-4CC5-A080-3B06BD5A8291}" type="datetimeFigureOut">
               <a:rPr lang="en-US"/>
-              <a:t>9/30/2020</a:t>
+              <a:t>10/2/2020</a:t>
             </a:fld>
             <a:endParaRPr lang="en-US"/>
           </a:p>
@@ -7906,6 +7907,95 @@
 </file>
 
 <file path=ppt/slides/slide1.xml><?xml version="1.0" encoding="utf-8"?>
+<p:sld xmlns:a="http://schemas.openxmlformats.org/drawingml/2006/main" xmlns:r="http://schemas.openxmlformats.org/officeDocument/2006/relationships" xmlns:p="http://schemas.openxmlformats.org/presentationml/2006/main">
+  <p:cSld>
+    <p:spTree>
+      <p:nvGrpSpPr>
+        <p:cNvPr id="1" name=""/>
+        <p:cNvGrpSpPr/>
+        <p:nvPr/>
+      </p:nvGrpSpPr>
+      <p:grpSpPr>
+        <a:xfrm>
+          <a:off x="0" y="0"/>
+          <a:ext cx="0" cy="0"/>
+          <a:chOff x="0" y="0"/>
+          <a:chExt cx="0" cy="0"/>
+        </a:xfrm>
+      </p:grpSpPr>
+      <p:sp>
+        <p:nvSpPr>
+          <p:cNvPr id="2" name="Título 1"/>
+          <p:cNvSpPr>
+            <a:spLocks noGrp="1"/>
+          </p:cNvSpPr>
+          <p:nvPr>
+            <p:ph type="title"/>
+          </p:nvPr>
+        </p:nvSpPr>
+        <p:spPr/>
+        <p:txBody>
+          <a:bodyPr>
+            <a:normAutofit/>
+          </a:bodyPr>
+          <a:lstStyle/>
+          <a:p>
+            <a:r>
+              <a:rPr lang="es-VE" sz="3200" smtClean="0">
+                <a:latin typeface="Arial" panose="020B0604020202020204" pitchFamily="34" charset="0"/>
+              </a:rPr>
+              <a:t>Este es el titulo de la diapositiva: 02/10/2020 12:06:42</a:t>
+            </a:r>
+            <a:endParaRPr lang="en-US" sz="3200">
+              <a:latin typeface="Arial" panose="020B0604020202020204" pitchFamily="34" charset="0"/>
+            </a:endParaRPr>
+          </a:p>
+        </p:txBody>
+      </p:sp>
+      <p:sp>
+        <p:nvSpPr>
+          <p:cNvPr id="3" name="Marcador de contenido 2"/>
+          <p:cNvSpPr>
+            <a:spLocks noGrp="1"/>
+          </p:cNvSpPr>
+          <p:nvPr>
+            <p:ph idx="1"/>
+          </p:nvPr>
+        </p:nvSpPr>
+        <p:spPr/>
+        <p:txBody>
+          <a:bodyPr>
+            <a:normAutofit/>
+          </a:bodyPr>
+          <a:lstStyle/>
+          <a:p>
+            <a:r>
+              <a:rPr lang="en-US" sz="2800" smtClean="0">
+                <a:latin typeface="Arial" panose="020B0604020202020204" pitchFamily="34" charset="0"/>
+              </a:rPr>
+              <a:t>Este es el subtitulo de la diapositiva: 02/10/2020 12:06:42</a:t>
+            </a:r>
+            <a:endParaRPr lang="en-US" sz="2800">
+              <a:latin typeface="Arial" panose="020B0604020202020204" pitchFamily="34" charset="0"/>
+            </a:endParaRPr>
+          </a:p>
+        </p:txBody>
+      </p:sp>
+    </p:spTree>
+    <p:extLst>
+      <p:ext uri="{BB962C8B-B14F-4D97-AF65-F5344CB8AC3E}">
+        <p14:creationId xmlns:p14="http://schemas.microsoft.com/office/powerpoint/2010/main" val="46706155"/>
+      </p:ext>
+    </p:extLst>
+  </p:cSld>
+  <p:clrMapOvr>
+    <a:masterClrMapping/>
+  </p:clrMapOvr>
+  <p:transition/>
+</p:sld>
+</file>
+
+<file path=ppt/slides/slide2.xml><?xml version="1.0" encoding="utf-8"?>
 <p:sld xmlns:p14="http://schemas.microsoft.com/office/powerpoint/2010/main" xmlns:a="http://schemas.openxmlformats.org/drawingml/2006/main" xmlns:r="http://schemas.openxmlformats.org/officeDocument/2006/relationships" xmlns:p="http://schemas.openxmlformats.org/presentationml/2006/main">
   <p:cSld>
     <p:spTree>
@@ -7929,61 +8019,41 @@
             <a:spLocks noGrp="1"/>
           </p:cNvSpPr>
           <p:nvPr>
-            <p:ph type="title"/>
+            <p:ph type="ctrTitle"/>
           </p:nvPr>
         </p:nvSpPr>
         <p:spPr/>
         <p:txBody>
-          <a:bodyPr>
-            <a:normAutofit/>
-          </a:bodyPr>
-          <a:lstStyle/>
-          <a:p>
-            <a:r>
-              <a:rPr lang="es-VE" sz="3200" smtClean="0">
-                <a:latin typeface="Arial" panose="020B0604020202020204" pitchFamily="34" charset="0"/>
-              </a:rPr>
-              <a:t>Escribiendo en el titulo: 30/09/2020 17:52:46</a:t>
-            </a:r>
-            <a:endParaRPr lang="en-US" sz="3200">
-              <a:latin typeface="Arial" panose="020B0604020202020204" pitchFamily="34" charset="0"/>
-            </a:endParaRPr>
-          </a:p>
-        </p:txBody>
-      </p:sp>
-      <p:sp>
-        <p:nvSpPr>
-          <p:cNvPr id="3" name="Marcador de contenido 2"/>
-          <p:cNvSpPr>
-            <a:spLocks noGrp="1"/>
-          </p:cNvSpPr>
-          <p:nvPr>
-            <p:ph idx="1"/>
+          <a:bodyPr/>
+          <a:lstStyle/>
+          <a:p>
+            <a:endParaRPr lang="en-US"/>
+          </a:p>
+        </p:txBody>
+      </p:sp>
+      <p:sp>
+        <p:nvSpPr>
+          <p:cNvPr id="3" name="Subtítulo 2"/>
+          <p:cNvSpPr>
+            <a:spLocks noGrp="1"/>
+          </p:cNvSpPr>
+          <p:nvPr>
+            <p:ph type="subTitle" idx="1"/>
           </p:nvPr>
         </p:nvSpPr>
         <p:spPr/>
         <p:txBody>
-          <a:bodyPr>
-            <a:normAutofit/>
-          </a:bodyPr>
-          <a:lstStyle/>
-          <a:p>
-            <a:r>
-              <a:rPr lang="en-US" sz="2800" smtClean="0">
-                <a:latin typeface="Arial" panose="020B0604020202020204" pitchFamily="34" charset="0"/>
-              </a:rPr>
-              <a:t>Descripcion PPT: 30/09/2020 17:52:46</a:t>
-            </a:r>
-            <a:endParaRPr lang="en-US" sz="2800">
-              <a:latin typeface="Arial" panose="020B0604020202020204" pitchFamily="34" charset="0"/>
-            </a:endParaRPr>
+          <a:bodyPr/>
+          <a:lstStyle/>
+          <a:p>
+            <a:endParaRPr lang="en-US"/>
           </a:p>
         </p:txBody>
       </p:sp>
     </p:spTree>
     <p:extLst>
       <p:ext uri="{BB962C8B-B14F-4D97-AF65-F5344CB8AC3E}">
-        <p14:creationId xmlns:p14="http://schemas.microsoft.com/office/powerpoint/2010/main" val="46706155"/>
+        <p14:creationId xmlns:p14="http://schemas.microsoft.com/office/powerpoint/2010/main" val="163205995"/>
       </p:ext>
     </p:extLst>
   </p:cSld>

--- a/OpenXmlDocumentFormatPPT/OpenXmlDocumentFormatPPT/TemplatePPT/Plantilla1.pptx
+++ b/OpenXmlDocumentFormatPPT/OpenXmlDocumentFormatPPT/TemplatePPT/Plantilla1.pptx
@@ -416,7 +416,7 @@
           <a:p>
             <a:fld id="{78ABE3C1-DBE1-495D-B57B-2849774B866A}" type="datetimeFigureOut">
               <a:rPr lang="en-US"/>
-              <a:t>10/2/2020</a:t>
+              <a:t>10/3/2020</a:t>
             </a:fld>
             <a:endParaRPr lang="en-US"/>
           </a:p>
@@ -840,7 +840,7 @@
           <a:p>
             <a:fld id="{446C117F-5CCF-4837-BE5F-2B92066CAFAF}" type="datetimeFigureOut">
               <a:rPr lang="en-US"/>
-              <a:t>10/2/2020</a:t>
+              <a:t>10/3/2020</a:t>
             </a:fld>
             <a:endParaRPr lang="en-US"/>
           </a:p>
@@ -1186,7 +1186,7 @@
           <a:p>
             <a:fld id="{84EB90BD-B6CE-46B7-997F-7313B992CCDC}" type="datetimeFigureOut">
               <a:rPr lang="en-US"/>
-              <a:t>10/2/2020</a:t>
+              <a:t>10/3/2020</a:t>
             </a:fld>
             <a:endParaRPr lang="en-US"/>
           </a:p>
@@ -1601,7 +1601,7 @@
           <a:p>
             <a:fld id="{CDB9D11F-B188-461D-B23F-39381795C052}" type="datetimeFigureOut">
               <a:rPr lang="en-US"/>
-              <a:t>10/2/2020</a:t>
+              <a:t>10/3/2020</a:t>
             </a:fld>
             <a:endParaRPr lang="en-US"/>
           </a:p>
@@ -2179,7 +2179,7 @@
           <a:p>
             <a:fld id="{52E6D8D9-55A2-4063-B0F3-121F44549695}" type="datetimeFigureOut">
               <a:rPr lang="en-US"/>
-              <a:t>10/2/2020</a:t>
+              <a:t>10/3/2020</a:t>
             </a:fld>
             <a:endParaRPr lang="en-US"/>
           </a:p>
@@ -2870,7 +2870,7 @@
           <a:p>
             <a:fld id="{D4B24536-994D-4021-A283-9F449C0DB509}" type="datetimeFigureOut">
               <a:rPr lang="en-US"/>
-              <a:t>10/2/2020</a:t>
+              <a:t>10/3/2020</a:t>
             </a:fld>
             <a:endParaRPr lang="en-US"/>
           </a:p>
@@ -3793,7 +3793,7 @@
           <a:p>
             <a:fld id="{3CBBBB78-C96F-47B7-AB17-D852CA960AC9}" type="datetimeFigureOut">
               <a:rPr lang="en-US"/>
-              <a:t>10/2/2020</a:t>
+              <a:t>10/3/2020</a:t>
             </a:fld>
             <a:endParaRPr lang="en-US"/>
           </a:p>
@@ -4116,7 +4116,7 @@
           <a:p>
             <a:fld id="{1FA3F48C-C7C6-4055-9F49-3777875E72AE}" type="datetimeFigureOut">
               <a:rPr lang="en-US"/>
-              <a:t>10/2/2020</a:t>
+              <a:t>10/3/2020</a:t>
             </a:fld>
             <a:endParaRPr lang="en-US"/>
           </a:p>
@@ -4390,7 +4390,7 @@
           <a:p>
             <a:fld id="{6178E61D-D431-422C-9764-11DAFE33AB63}" type="datetimeFigureOut">
               <a:rPr lang="en-US"/>
-              <a:t>10/2/2020</a:t>
+              <a:t>10/3/2020</a:t>
             </a:fld>
             <a:endParaRPr lang="en-US"/>
           </a:p>
@@ -4723,7 +4723,7 @@
           <a:p>
             <a:fld id="{12DE42F4-6EEF-4EF7-8ED4-2208F0F89A08}" type="datetimeFigureOut">
               <a:rPr lang="en-US"/>
-              <a:t>10/2/2020</a:t>
+              <a:t>10/3/2020</a:t>
             </a:fld>
             <a:endParaRPr lang="en-US"/>
           </a:p>
@@ -5122,7 +5122,7 @@
           <a:p>
             <a:fld id="{30578ACC-22D6-47C1-A373-4FD133E34F3C}" type="datetimeFigureOut">
               <a:rPr lang="en-US"/>
-              <a:t>10/2/2020</a:t>
+              <a:t>10/3/2020</a:t>
             </a:fld>
             <a:endParaRPr lang="en-US"/>
           </a:p>
@@ -5508,7 +5508,7 @@
           <a:p>
             <a:fld id="{4E5A6C69-6797-4E8A-BF37-F2C3751466E9}" type="datetimeFigureOut">
               <a:rPr lang="en-US"/>
-              <a:t>10/2/2020</a:t>
+              <a:t>10/3/2020</a:t>
             </a:fld>
             <a:endParaRPr lang="en-US"/>
           </a:p>
@@ -6024,7 +6024,7 @@
           <a:p>
             <a:fld id="{D82014A1-A632-4878-A0D3-F52BA7563730}" type="datetimeFigureOut">
               <a:rPr lang="en-US"/>
-              <a:t>10/2/2020</a:t>
+              <a:t>10/3/2020</a:t>
             </a:fld>
             <a:endParaRPr lang="en-US"/>
           </a:p>
@@ -6291,7 +6291,7 @@
           <a:p>
             <a:fld id="{CE99F462-093F-4566-844B-4C71F2739DA5}" type="datetimeFigureOut">
               <a:rPr lang="en-US"/>
-              <a:t>10/2/2020</a:t>
+              <a:t>10/3/2020</a:t>
             </a:fld>
             <a:endParaRPr lang="en-US"/>
           </a:p>
@@ -6457,7 +6457,7 @@
           <a:p>
             <a:fld id="{3D24A7AC-904D-4781-85BA-7D10C17ED021}" type="datetimeFigureOut">
               <a:rPr lang="en-US"/>
-              <a:t>10/2/2020</a:t>
+              <a:t>10/3/2020</a:t>
             </a:fld>
             <a:endParaRPr lang="en-US"/>
           </a:p>
@@ -6857,7 +6857,7 @@
           <a:p>
             <a:fld id="{E331444B-B92B-4E27-8C94-BB93EAF5CB18}" type="datetimeFigureOut">
               <a:rPr lang="en-US"/>
-              <a:t>10/2/2020</a:t>
+              <a:t>10/3/2020</a:t>
             </a:fld>
             <a:endParaRPr lang="en-US"/>
           </a:p>
@@ -7276,7 +7276,7 @@
           <a:p>
             <a:fld id="{363EFA5E-FA76-400D-B3DC-F0BA90E6D107}" type="datetimeFigureOut">
               <a:rPr lang="en-US"/>
-              <a:t>10/2/2020</a:t>
+              <a:t>10/3/2020</a:t>
             </a:fld>
             <a:endParaRPr lang="en-US"/>
           </a:p>
@@ -7516,7 +7516,7 @@
           <a:p>
             <a:fld id="{9D6E9DEC-419B-4CC5-A080-3B06BD5A8291}" type="datetimeFigureOut">
               <a:rPr lang="en-US"/>
-              <a:t>10/2/2020</a:t>
+              <a:t>10/3/2020</a:t>
             </a:fld>
             <a:endParaRPr lang="en-US"/>
           </a:p>
@@ -7944,7 +7944,7 @@
               <a:rPr lang="es-VE" sz="3200" smtClean="0">
                 <a:latin typeface="Arial" panose="020B0604020202020204" pitchFamily="34" charset="0"/>
               </a:rPr>
-              <a:t>Este es el titulo de la diapositiva: 02/10/2020 12:06:42</a:t>
+              <a:t>Este es el titulo de la diapositiva: 03/10/2020 12:33:17</a:t>
             </a:r>
             <a:endParaRPr lang="en-US" sz="3200">
               <a:latin typeface="Arial" panose="020B0604020202020204" pitchFamily="34" charset="0"/>
@@ -7973,7 +7973,7 @@
               <a:rPr lang="en-US" sz="2800" smtClean="0">
                 <a:latin typeface="Arial" panose="020B0604020202020204" pitchFamily="34" charset="0"/>
               </a:rPr>
-              <a:t>Este es el subtitulo de la diapositiva: 02/10/2020 12:06:42</a:t>
+              <a:t>Este es el subtitulo de la diapositiva: 03/10/2020 12:33:17</a:t>
             </a:r>
             <a:endParaRPr lang="en-US" sz="2800">
               <a:latin typeface="Arial" panose="020B0604020202020204" pitchFamily="34" charset="0"/>
@@ -8013,39 +8013,39 @@
         </a:xfrm>
       </p:grpSpPr>
       <p:sp>
-        <p:nvSpPr>
+        <p:nvSpPr xmlns:p="http://schemas.openxmlformats.org/presentationml/2006/main">
           <p:cNvPr id="2" name="Título 1"/>
           <p:cNvSpPr>
-            <a:spLocks noGrp="1"/>
+            <a:spLocks xmlns:a="http://schemas.openxmlformats.org/drawingml/2006/main" noGrp="1"/>
           </p:cNvSpPr>
           <p:nvPr>
             <p:ph type="ctrTitle"/>
           </p:nvPr>
         </p:nvSpPr>
-        <p:spPr/>
-        <p:txBody>
-          <a:bodyPr/>
-          <a:lstStyle/>
-          <a:p>
-            <a:endParaRPr lang="en-US"/>
-          </a:p>
-        </p:txBody>
-      </p:sp>
-      <p:sp>
-        <p:nvSpPr>
+        <p:spPr xmlns:p="http://schemas.openxmlformats.org/presentationml/2006/main"/>
+        <p:txBody xmlns:p="http://schemas.openxmlformats.org/presentationml/2006/main">
+          <a:bodyPr xmlns:a="http://schemas.openxmlformats.org/drawingml/2006/main"/>
+          <a:lstStyle xmlns:a="http://schemas.openxmlformats.org/drawingml/2006/main"/>
+          <a:p xmlns:a="http://schemas.openxmlformats.org/drawingml/2006/main">
+            <a:endParaRPr lang="en-US"/>
+          </a:p>
+        </p:txBody>
+      </p:sp>
+      <p:sp>
+        <p:nvSpPr xmlns:p="http://schemas.openxmlformats.org/presentationml/2006/main">
           <p:cNvPr id="3" name="Subtítulo 2"/>
           <p:cNvSpPr>
-            <a:spLocks noGrp="1"/>
+            <a:spLocks xmlns:a="http://schemas.openxmlformats.org/drawingml/2006/main" noGrp="1"/>
           </p:cNvSpPr>
           <p:nvPr>
             <p:ph type="subTitle" idx="1"/>
           </p:nvPr>
         </p:nvSpPr>
-        <p:spPr/>
-        <p:txBody>
-          <a:bodyPr/>
-          <a:lstStyle/>
-          <a:p>
+        <p:spPr xmlns:p="http://schemas.openxmlformats.org/presentationml/2006/main"/>
+        <p:txBody xmlns:p="http://schemas.openxmlformats.org/presentationml/2006/main">
+          <a:bodyPr xmlns:a="http://schemas.openxmlformats.org/drawingml/2006/main"/>
+          <a:lstStyle xmlns:a="http://schemas.openxmlformats.org/drawingml/2006/main"/>
+          <a:p xmlns:a="http://schemas.openxmlformats.org/drawingml/2006/main">
             <a:endParaRPr lang="en-US"/>
           </a:p>
         </p:txBody>
@@ -8053,7 +8053,7 @@
     </p:spTree>
     <p:extLst>
       <p:ext uri="{BB962C8B-B14F-4D97-AF65-F5344CB8AC3E}">
-        <p14:creationId xmlns:p14="http://schemas.microsoft.com/office/powerpoint/2010/main" val="163205995"/>
+        <p14:creationId xmlns:p14="http://schemas.microsoft.com/office/powerpoint/2010/main" val="265786268"/>
       </p:ext>
     </p:extLst>
   </p:cSld>

--- a/OpenXmlDocumentFormatPPT/OpenXmlDocumentFormatPPT/TemplatePPT/Plantilla1.pptx
+++ b/OpenXmlDocumentFormatPPT/OpenXmlDocumentFormatPPT/TemplatePPT/Plantilla1.pptx
@@ -7907,7 +7907,7 @@
 </file>
 
 <file path=ppt/slides/slide1.xml><?xml version="1.0" encoding="utf-8"?>
-<p:sld xmlns:a="http://schemas.openxmlformats.org/drawingml/2006/main" xmlns:r="http://schemas.openxmlformats.org/officeDocument/2006/relationships" xmlns:p="http://schemas.openxmlformats.org/presentationml/2006/main">
+<p:sld xmlns:p14="http://schemas.microsoft.com/office/powerpoint/2010/main" xmlns:a="http://schemas.openxmlformats.org/drawingml/2006/main" xmlns:r="http://schemas.openxmlformats.org/officeDocument/2006/relationships" xmlns:p="http://schemas.openxmlformats.org/presentationml/2006/main">
   <p:cSld>
     <p:spTree>
       <p:nvGrpSpPr>
@@ -7924,56 +7924,56 @@
         </a:xfrm>
       </p:grpSpPr>
       <p:sp>
-        <p:nvSpPr>
+        <p:nvSpPr xmlns:p="http://schemas.openxmlformats.org/presentationml/2006/main">
           <p:cNvPr id="2" name="Título 1"/>
           <p:cNvSpPr>
-            <a:spLocks noGrp="1"/>
+            <a:spLocks xmlns:a="http://schemas.openxmlformats.org/drawingml/2006/main" noGrp="1"/>
           </p:cNvSpPr>
           <p:nvPr>
             <p:ph type="title"/>
           </p:nvPr>
         </p:nvSpPr>
-        <p:spPr/>
-        <p:txBody>
-          <a:bodyPr>
+        <p:spPr xmlns:p="http://schemas.openxmlformats.org/presentationml/2006/main"/>
+        <p:txBody xmlns:p="http://schemas.openxmlformats.org/presentationml/2006/main">
+          <a:bodyPr xmlns:a="http://schemas.openxmlformats.org/drawingml/2006/main">
             <a:normAutofit/>
           </a:bodyPr>
-          <a:lstStyle/>
-          <a:p>
-            <a:r>
-              <a:rPr lang="es-VE" sz="3200" smtClean="0">
-                <a:latin typeface="Arial" panose="020B0604020202020204" pitchFamily="34" charset="0"/>
-              </a:rPr>
-              <a:t>Este es el titulo de la diapositiva: 03/10/2020 12:33:17</a:t>
-            </a:r>
-            <a:endParaRPr lang="en-US" sz="3200">
-              <a:latin typeface="Arial" panose="020B0604020202020204" pitchFamily="34" charset="0"/>
-            </a:endParaRPr>
-          </a:p>
-        </p:txBody>
-      </p:sp>
-      <p:sp>
-        <p:nvSpPr>
-          <p:cNvPr id="3" name="Marcador de contenido 2"/>
-          <p:cNvSpPr>
-            <a:spLocks noGrp="1"/>
-          </p:cNvSpPr>
-          <p:nvPr>
-            <p:ph idx="1"/>
-          </p:nvPr>
-        </p:nvSpPr>
-        <p:spPr/>
-        <p:txBody>
-          <a:bodyPr>
-            <a:normAutofit/>
-          </a:bodyPr>
-          <a:lstStyle/>
-          <a:p>
+          <a:lstStyle xmlns:a="http://schemas.openxmlformats.org/drawingml/2006/main"/>
+          <a:p xmlns:a="http://schemas.openxmlformats.org/drawingml/2006/main">
             <a:r>
               <a:rPr lang="en-US" sz="2800" smtClean="0">
                 <a:latin typeface="Arial" panose="020B0604020202020204" pitchFamily="34" charset="0"/>
               </a:rPr>
-              <a:t>Este es el subtitulo de la diapositiva: 03/10/2020 12:33:17</a:t>
+              <a:t>Este es el titulo de la diapositiva: 03/10/2020 17:05:42</a:t>
+            </a:r>
+            <a:endParaRPr lang="en-US" sz="2800">
+              <a:latin typeface="Arial" panose="020B0604020202020204" pitchFamily="34" charset="0"/>
+            </a:endParaRPr>
+          </a:p>
+        </p:txBody>
+      </p:sp>
+      <p:sp>
+        <p:nvSpPr xmlns:p="http://schemas.openxmlformats.org/presentationml/2006/main">
+          <p:cNvPr id="3" name="Marcador de contenido 2"/>
+          <p:cNvSpPr>
+            <a:spLocks xmlns:a="http://schemas.openxmlformats.org/drawingml/2006/main" noGrp="1"/>
+          </p:cNvSpPr>
+          <p:nvPr>
+            <p:ph idx="1"/>
+          </p:nvPr>
+        </p:nvSpPr>
+        <p:spPr xmlns:p="http://schemas.openxmlformats.org/presentationml/2006/main"/>
+        <p:txBody xmlns:p="http://schemas.openxmlformats.org/presentationml/2006/main">
+          <a:bodyPr xmlns:a="http://schemas.openxmlformats.org/drawingml/2006/main">
+            <a:normAutofit/>
+          </a:bodyPr>
+          <a:lstStyle xmlns:a="http://schemas.openxmlformats.org/drawingml/2006/main"/>
+          <a:p xmlns:a="http://schemas.openxmlformats.org/drawingml/2006/main">
+            <a:r>
+              <a:rPr lang="en-US" sz="2800" smtClean="0">
+                <a:latin typeface="Arial" panose="020B0604020202020204" pitchFamily="34" charset="0"/>
+              </a:rPr>
+              <a:t>Este es el subtitulo de la diapositiva: 03/10/2020 17:05:42</a:t>
             </a:r>
             <a:endParaRPr lang="en-US" sz="2800">
               <a:latin typeface="Arial" panose="020B0604020202020204" pitchFamily="34" charset="0"/>
@@ -8027,7 +8027,15 @@
           <a:bodyPr xmlns:a="http://schemas.openxmlformats.org/drawingml/2006/main"/>
           <a:lstStyle xmlns:a="http://schemas.openxmlformats.org/drawingml/2006/main"/>
           <a:p xmlns:a="http://schemas.openxmlformats.org/drawingml/2006/main">
-            <a:endParaRPr lang="en-US"/>
+            <a:r>
+              <a:rPr lang="en-US" sz="2800" smtClean="0">
+                <a:latin typeface="Arial" panose="020B0604020202020204" pitchFamily="34" charset="0"/>
+              </a:rPr>
+              <a:t>Este es el titulo de la diapositiva: 03/10/2020 17:02:55</a:t>
+            </a:r>
+            <a:endParaRPr lang="en-US" sz="2800">
+              <a:latin typeface="Arial" panose="020B0604020202020204" pitchFamily="34" charset="0"/>
+            </a:endParaRPr>
           </a:p>
         </p:txBody>
       </p:sp>
@@ -8046,14 +8054,22 @@
           <a:bodyPr xmlns:a="http://schemas.openxmlformats.org/drawingml/2006/main"/>
           <a:lstStyle xmlns:a="http://schemas.openxmlformats.org/drawingml/2006/main"/>
           <a:p xmlns:a="http://schemas.openxmlformats.org/drawingml/2006/main">
-            <a:endParaRPr lang="en-US"/>
+            <a:r>
+              <a:rPr lang="en-US" sz="2800" smtClean="0">
+                <a:latin typeface="Arial" panose="020B0604020202020204" pitchFamily="34" charset="0"/>
+              </a:rPr>
+              <a:t>Este es el subtitulo de la diapositiva: 03/10/2020 17:02:55</a:t>
+            </a:r>
+            <a:endParaRPr lang="en-US" sz="2800">
+              <a:latin typeface="Arial" panose="020B0604020202020204" pitchFamily="34" charset="0"/>
+            </a:endParaRPr>
           </a:p>
         </p:txBody>
       </p:sp>
     </p:spTree>
     <p:extLst>
       <p:ext uri="{BB962C8B-B14F-4D97-AF65-F5344CB8AC3E}">
-        <p14:creationId xmlns:p14="http://schemas.microsoft.com/office/powerpoint/2010/main" val="265786268"/>
+        <p14:creationId xmlns:p14="http://schemas.microsoft.com/office/powerpoint/2010/main" val="3950281013"/>
       </p:ext>
     </p:extLst>
   </p:cSld>

--- a/OpenXmlDocumentFormatPPT/OpenXmlDocumentFormatPPT/TemplatePPT/Plantilla1.pptx
+++ b/OpenXmlDocumentFormatPPT/OpenXmlDocumentFormatPPT/TemplatePPT/Plantilla1.pptx
@@ -249,7 +249,7 @@
           <a:bodyPr/>
           <a:lstStyle/>
           <a:p>
-            <a:endParaRPr/>
+            <a:endParaRPr dirty="0"/>
           </a:p>
         </p:txBody>
       </p:sp>
@@ -294,7 +294,7 @@
           <a:bodyPr/>
           <a:lstStyle/>
           <a:p>
-            <a:endParaRPr/>
+            <a:endParaRPr dirty="0"/>
           </a:p>
         </p:txBody>
       </p:sp>
@@ -416,9 +416,9 @@
           <a:p>
             <a:fld id="{78ABE3C1-DBE1-495D-B57B-2849774B866A}" type="datetimeFigureOut">
               <a:rPr lang="en-US"/>
-              <a:t>10/3/2020</a:t>
+              <a:t>10/4/2020</a:t>
             </a:fld>
-            <a:endParaRPr lang="en-US"/>
+            <a:endParaRPr lang="en-US" dirty="0"/>
           </a:p>
         </p:txBody>
       </p:sp>
@@ -437,7 +437,7 @@
           <a:bodyPr/>
           <a:lstStyle/>
           <a:p>
-            <a:endParaRPr lang="en-US"/>
+            <a:endParaRPr lang="en-US" dirty="0"/>
           </a:p>
         </p:txBody>
       </p:sp>
@@ -465,7 +465,7 @@
               <a:rPr lang="en-US"/>
               <a:t>‹Nº›</a:t>
             </a:fld>
-            <a:endParaRPr lang="en-US"/>
+            <a:endParaRPr lang="en-US" dirty="0"/>
           </a:p>
         </p:txBody>
       </p:sp>
@@ -599,7 +599,7 @@
           <a:bodyPr/>
           <a:lstStyle/>
           <a:p>
-            <a:endParaRPr/>
+            <a:endParaRPr dirty="0"/>
           </a:p>
         </p:txBody>
       </p:sp>
@@ -644,7 +644,7 @@
           <a:bodyPr/>
           <a:lstStyle/>
           <a:p>
-            <a:endParaRPr/>
+            <a:endParaRPr dirty="0"/>
           </a:p>
         </p:txBody>
       </p:sp>
@@ -751,10 +751,10 @@
           </a:lstStyle>
           <a:p>
             <a:r>
-              <a:rPr lang="es-ES" smtClean="0"/>
+              <a:rPr lang="es-ES" dirty="0" smtClean="0"/>
               <a:t>Haga clic en el icono para agregar una imagen</a:t>
             </a:r>
-            <a:endParaRPr lang="en-US"/>
+            <a:endParaRPr lang="en-US" dirty="0"/>
           </a:p>
         </p:txBody>
       </p:sp>
@@ -840,9 +840,9 @@
           <a:p>
             <a:fld id="{446C117F-5CCF-4837-BE5F-2B92066CAFAF}" type="datetimeFigureOut">
               <a:rPr lang="en-US"/>
-              <a:t>10/3/2020</a:t>
+              <a:t>10/4/2020</a:t>
             </a:fld>
-            <a:endParaRPr lang="en-US"/>
+            <a:endParaRPr lang="en-US" dirty="0"/>
           </a:p>
         </p:txBody>
       </p:sp>
@@ -861,7 +861,7 @@
           <a:bodyPr/>
           <a:lstStyle/>
           <a:p>
-            <a:endParaRPr lang="en-US"/>
+            <a:endParaRPr lang="en-US" dirty="0"/>
           </a:p>
         </p:txBody>
       </p:sp>
@@ -889,7 +889,7 @@
               <a:rPr lang="en-US"/>
               <a:t>‹Nº›</a:t>
             </a:fld>
-            <a:endParaRPr lang="en-US"/>
+            <a:endParaRPr lang="en-US" dirty="0"/>
           </a:p>
         </p:txBody>
       </p:sp>
@@ -1023,7 +1023,7 @@
           <a:bodyPr/>
           <a:lstStyle/>
           <a:p>
-            <a:endParaRPr/>
+            <a:endParaRPr dirty="0"/>
           </a:p>
         </p:txBody>
       </p:sp>
@@ -1068,7 +1068,7 @@
           <a:bodyPr/>
           <a:lstStyle/>
           <a:p>
-            <a:endParaRPr/>
+            <a:endParaRPr dirty="0"/>
           </a:p>
         </p:txBody>
       </p:sp>
@@ -1186,9 +1186,9 @@
           <a:p>
             <a:fld id="{84EB90BD-B6CE-46B7-997F-7313B992CCDC}" type="datetimeFigureOut">
               <a:rPr lang="en-US"/>
-              <a:t>10/3/2020</a:t>
+              <a:t>10/4/2020</a:t>
             </a:fld>
-            <a:endParaRPr lang="en-US"/>
+            <a:endParaRPr lang="en-US" dirty="0"/>
           </a:p>
         </p:txBody>
       </p:sp>
@@ -1207,7 +1207,7 @@
           <a:bodyPr/>
           <a:lstStyle/>
           <a:p>
-            <a:endParaRPr lang="en-US"/>
+            <a:endParaRPr lang="en-US" dirty="0"/>
           </a:p>
         </p:txBody>
       </p:sp>
@@ -1235,7 +1235,7 @@
               <a:rPr lang="en-US"/>
               <a:t>‹Nº›</a:t>
             </a:fld>
-            <a:endParaRPr lang="en-US"/>
+            <a:endParaRPr lang="en-US" dirty="0"/>
           </a:p>
         </p:txBody>
       </p:sp>
@@ -1369,7 +1369,7 @@
           <a:bodyPr/>
           <a:lstStyle/>
           <a:p>
-            <a:endParaRPr/>
+            <a:endParaRPr dirty="0"/>
           </a:p>
         </p:txBody>
       </p:sp>
@@ -1414,7 +1414,7 @@
           <a:bodyPr/>
           <a:lstStyle/>
           <a:p>
-            <a:endParaRPr/>
+            <a:endParaRPr dirty="0"/>
           </a:p>
         </p:txBody>
       </p:sp>
@@ -1601,9 +1601,9 @@
           <a:p>
             <a:fld id="{CDB9D11F-B188-461D-B23F-39381795C052}" type="datetimeFigureOut">
               <a:rPr lang="en-US"/>
-              <a:t>10/3/2020</a:t>
+              <a:t>10/4/2020</a:t>
             </a:fld>
-            <a:endParaRPr lang="en-US"/>
+            <a:endParaRPr lang="en-US" dirty="0"/>
           </a:p>
         </p:txBody>
       </p:sp>
@@ -1622,7 +1622,7 @@
           <a:bodyPr/>
           <a:lstStyle/>
           <a:p>
-            <a:endParaRPr lang="en-US"/>
+            <a:endParaRPr lang="en-US" dirty="0"/>
           </a:p>
         </p:txBody>
       </p:sp>
@@ -1650,7 +1650,7 @@
               <a:rPr lang="en-US"/>
               <a:t>‹Nº›</a:t>
             </a:fld>
-            <a:endParaRPr lang="en-US"/>
+            <a:endParaRPr lang="en-US" dirty="0"/>
           </a:p>
         </p:txBody>
       </p:sp>
@@ -1759,7 +1759,7 @@
           <a:p>
             <a:pPr lvl="0"/>
             <a:r>
-              <a:rPr lang="en-US" sz="7200">
+              <a:rPr lang="en-US" sz="7200" dirty="0">
                 <a:solidFill>
                   <a:schemeClr val="tx1"/>
                 </a:solidFill>
@@ -1875,7 +1875,7 @@
           <a:p>
             <a:pPr lvl="0" algn="r"/>
             <a:r>
-              <a:rPr lang="en-US" sz="7200">
+              <a:rPr lang="en-US" sz="7200" dirty="0">
                 <a:solidFill>
                   <a:schemeClr val="tx1"/>
                 </a:solidFill>
@@ -2016,7 +2016,7 @@
           <a:bodyPr/>
           <a:lstStyle/>
           <a:p>
-            <a:endParaRPr/>
+            <a:endParaRPr dirty="0"/>
           </a:p>
         </p:txBody>
       </p:sp>
@@ -2061,7 +2061,7 @@
           <a:bodyPr/>
           <a:lstStyle/>
           <a:p>
-            <a:endParaRPr/>
+            <a:endParaRPr dirty="0"/>
           </a:p>
         </p:txBody>
       </p:sp>
@@ -2179,9 +2179,9 @@
           <a:p>
             <a:fld id="{52E6D8D9-55A2-4063-B0F3-121F44549695}" type="datetimeFigureOut">
               <a:rPr lang="en-US"/>
-              <a:t>10/3/2020</a:t>
+              <a:t>10/4/2020</a:t>
             </a:fld>
-            <a:endParaRPr lang="en-US"/>
+            <a:endParaRPr lang="en-US" dirty="0"/>
           </a:p>
         </p:txBody>
       </p:sp>
@@ -2200,7 +2200,7 @@
           <a:bodyPr/>
           <a:lstStyle/>
           <a:p>
-            <a:endParaRPr lang="en-US"/>
+            <a:endParaRPr lang="en-US" dirty="0"/>
           </a:p>
         </p:txBody>
       </p:sp>
@@ -2228,7 +2228,7 @@
               <a:rPr lang="en-US"/>
               <a:t>‹Nº›</a:t>
             </a:fld>
-            <a:endParaRPr lang="en-US"/>
+            <a:endParaRPr lang="en-US" dirty="0"/>
           </a:p>
         </p:txBody>
       </p:sp>
@@ -2362,7 +2362,7 @@
           <a:bodyPr/>
           <a:lstStyle/>
           <a:p>
-            <a:endParaRPr/>
+            <a:endParaRPr dirty="0"/>
           </a:p>
         </p:txBody>
       </p:sp>
@@ -2407,7 +2407,7 @@
           <a:bodyPr/>
           <a:lstStyle/>
           <a:p>
-            <a:endParaRPr/>
+            <a:endParaRPr dirty="0"/>
           </a:p>
         </p:txBody>
       </p:sp>
@@ -2870,9 +2870,9 @@
           <a:p>
             <a:fld id="{D4B24536-994D-4021-A283-9F449C0DB509}" type="datetimeFigureOut">
               <a:rPr lang="en-US"/>
-              <a:t>10/3/2020</a:t>
+              <a:t>10/4/2020</a:t>
             </a:fld>
-            <a:endParaRPr lang="en-US"/>
+            <a:endParaRPr lang="en-US" dirty="0"/>
           </a:p>
         </p:txBody>
       </p:sp>
@@ -2891,7 +2891,7 @@
           <a:bodyPr/>
           <a:lstStyle/>
           <a:p>
-            <a:endParaRPr lang="en-US"/>
+            <a:endParaRPr lang="en-US" dirty="0"/>
           </a:p>
         </p:txBody>
       </p:sp>
@@ -2914,7 +2914,7 @@
               <a:rPr lang="en-US"/>
               <a:t>‹Nº›</a:t>
             </a:fld>
-            <a:endParaRPr lang="en-US"/>
+            <a:endParaRPr lang="en-US" dirty="0"/>
           </a:p>
         </p:txBody>
       </p:sp>
@@ -3048,7 +3048,7 @@
           <a:bodyPr/>
           <a:lstStyle/>
           <a:p>
-            <a:endParaRPr/>
+            <a:endParaRPr dirty="0"/>
           </a:p>
         </p:txBody>
       </p:sp>
@@ -3093,7 +3093,7 @@
           <a:bodyPr/>
           <a:lstStyle/>
           <a:p>
-            <a:endParaRPr/>
+            <a:endParaRPr dirty="0"/>
           </a:p>
         </p:txBody>
       </p:sp>
@@ -3268,10 +3268,10 @@
           </a:lstStyle>
           <a:p>
             <a:r>
-              <a:rPr lang="es-ES" smtClean="0"/>
+              <a:rPr lang="es-ES" dirty="0" smtClean="0"/>
               <a:t>Haga clic en el icono para agregar una imagen</a:t>
             </a:r>
-            <a:endParaRPr lang="en-US"/>
+            <a:endParaRPr lang="en-US" dirty="0"/>
           </a:p>
         </p:txBody>
       </p:sp>
@@ -3485,10 +3485,10 @@
           </a:lstStyle>
           <a:p>
             <a:r>
-              <a:rPr lang="es-ES" smtClean="0"/>
+              <a:rPr lang="es-ES" dirty="0" smtClean="0"/>
               <a:t>Haga clic en el icono para agregar una imagen</a:t>
             </a:r>
-            <a:endParaRPr lang="en-US"/>
+            <a:endParaRPr lang="en-US" dirty="0"/>
           </a:p>
         </p:txBody>
       </p:sp>
@@ -3702,10 +3702,10 @@
           </a:lstStyle>
           <a:p>
             <a:r>
-              <a:rPr lang="es-ES" smtClean="0"/>
+              <a:rPr lang="es-ES" dirty="0" smtClean="0"/>
               <a:t>Haga clic en el icono para agregar una imagen</a:t>
             </a:r>
-            <a:endParaRPr lang="en-US"/>
+            <a:endParaRPr lang="en-US" dirty="0"/>
           </a:p>
         </p:txBody>
       </p:sp>
@@ -3793,9 +3793,9 @@
           <a:p>
             <a:fld id="{3CBBBB78-C96F-47B7-AB17-D852CA960AC9}" type="datetimeFigureOut">
               <a:rPr lang="en-US"/>
-              <a:t>10/3/2020</a:t>
+              <a:t>10/4/2020</a:t>
             </a:fld>
-            <a:endParaRPr lang="en-US"/>
+            <a:endParaRPr lang="en-US" dirty="0"/>
           </a:p>
         </p:txBody>
       </p:sp>
@@ -3814,7 +3814,7 @@
           <a:bodyPr/>
           <a:lstStyle/>
           <a:p>
-            <a:endParaRPr lang="en-US"/>
+            <a:endParaRPr lang="en-US" dirty="0"/>
           </a:p>
         </p:txBody>
       </p:sp>
@@ -3837,7 +3837,7 @@
               <a:rPr lang="en-US"/>
               <a:t>‹Nº›</a:t>
             </a:fld>
-            <a:endParaRPr lang="en-US"/>
+            <a:endParaRPr lang="en-US" dirty="0"/>
           </a:p>
         </p:txBody>
       </p:sp>
@@ -3971,7 +3971,7 @@
           <a:bodyPr/>
           <a:lstStyle/>
           <a:p>
-            <a:endParaRPr/>
+            <a:endParaRPr dirty="0"/>
           </a:p>
         </p:txBody>
       </p:sp>
@@ -4016,7 +4016,7 @@
           <a:bodyPr/>
           <a:lstStyle/>
           <a:p>
-            <a:endParaRPr/>
+            <a:endParaRPr dirty="0"/>
           </a:p>
         </p:txBody>
       </p:sp>
@@ -4116,9 +4116,9 @@
           <a:p>
             <a:fld id="{1FA3F48C-C7C6-4055-9F49-3777875E72AE}" type="datetimeFigureOut">
               <a:rPr lang="en-US"/>
-              <a:t>10/3/2020</a:t>
+              <a:t>10/4/2020</a:t>
             </a:fld>
-            <a:endParaRPr lang="en-US"/>
+            <a:endParaRPr lang="en-US" dirty="0"/>
           </a:p>
         </p:txBody>
       </p:sp>
@@ -4137,7 +4137,7 @@
           <a:bodyPr/>
           <a:lstStyle/>
           <a:p>
-            <a:endParaRPr lang="en-US"/>
+            <a:endParaRPr lang="en-US" dirty="0"/>
           </a:p>
         </p:txBody>
       </p:sp>
@@ -4160,7 +4160,7 @@
               <a:rPr lang="en-US"/>
               <a:t>‹Nº›</a:t>
             </a:fld>
-            <a:endParaRPr lang="en-US"/>
+            <a:endParaRPr lang="en-US" dirty="0"/>
           </a:p>
         </p:txBody>
       </p:sp>
@@ -4234,7 +4234,7 @@
           <a:bodyPr/>
           <a:lstStyle/>
           <a:p>
-            <a:endParaRPr/>
+            <a:endParaRPr dirty="0"/>
           </a:p>
         </p:txBody>
       </p:sp>
@@ -4279,7 +4279,7 @@
           <a:bodyPr/>
           <a:lstStyle/>
           <a:p>
-            <a:endParaRPr/>
+            <a:endParaRPr dirty="0"/>
           </a:p>
         </p:txBody>
       </p:sp>
@@ -4390,9 +4390,9 @@
           <a:p>
             <a:fld id="{6178E61D-D431-422C-9764-11DAFE33AB63}" type="datetimeFigureOut">
               <a:rPr lang="en-US"/>
-              <a:t>10/3/2020</a:t>
+              <a:t>10/4/2020</a:t>
             </a:fld>
-            <a:endParaRPr lang="en-US"/>
+            <a:endParaRPr lang="en-US" dirty="0"/>
           </a:p>
         </p:txBody>
       </p:sp>
@@ -4416,7 +4416,7 @@
           <a:bodyPr/>
           <a:lstStyle/>
           <a:p>
-            <a:endParaRPr lang="en-US"/>
+            <a:endParaRPr lang="en-US" dirty="0"/>
           </a:p>
         </p:txBody>
       </p:sp>
@@ -4448,7 +4448,7 @@
               <a:rPr lang="en-US"/>
               <a:t>‹Nº›</a:t>
             </a:fld>
-            <a:endParaRPr lang="en-US"/>
+            <a:endParaRPr lang="en-US" dirty="0"/>
           </a:p>
         </p:txBody>
       </p:sp>
@@ -4582,7 +4582,7 @@
           <a:bodyPr/>
           <a:lstStyle/>
           <a:p>
-            <a:endParaRPr/>
+            <a:endParaRPr dirty="0"/>
           </a:p>
         </p:txBody>
       </p:sp>
@@ -4627,7 +4627,7 @@
           <a:bodyPr/>
           <a:lstStyle/>
           <a:p>
-            <a:endParaRPr/>
+            <a:endParaRPr dirty="0"/>
           </a:p>
         </p:txBody>
       </p:sp>
@@ -4723,9 +4723,9 @@
           <a:p>
             <a:fld id="{12DE42F4-6EEF-4EF7-8ED4-2208F0F89A08}" type="datetimeFigureOut">
               <a:rPr lang="en-US"/>
-              <a:t>10/3/2020</a:t>
+              <a:t>10/4/2020</a:t>
             </a:fld>
-            <a:endParaRPr lang="en-US"/>
+            <a:endParaRPr lang="en-US" dirty="0"/>
           </a:p>
         </p:txBody>
       </p:sp>
@@ -4744,7 +4744,7 @@
           <a:bodyPr/>
           <a:lstStyle/>
           <a:p>
-            <a:endParaRPr lang="en-US"/>
+            <a:endParaRPr lang="en-US" dirty="0"/>
           </a:p>
         </p:txBody>
       </p:sp>
@@ -4767,7 +4767,7 @@
               <a:rPr lang="en-US"/>
               <a:t>‹Nº›</a:t>
             </a:fld>
-            <a:endParaRPr lang="en-US"/>
+            <a:endParaRPr lang="en-US" dirty="0"/>
           </a:p>
         </p:txBody>
       </p:sp>
@@ -4901,7 +4901,7 @@
           <a:bodyPr/>
           <a:lstStyle/>
           <a:p>
-            <a:endParaRPr/>
+            <a:endParaRPr dirty="0"/>
           </a:p>
         </p:txBody>
       </p:sp>
@@ -4946,7 +4946,7 @@
           <a:bodyPr/>
           <a:lstStyle/>
           <a:p>
-            <a:endParaRPr/>
+            <a:endParaRPr dirty="0"/>
           </a:p>
         </p:txBody>
       </p:sp>
@@ -5122,9 +5122,9 @@
           <a:p>
             <a:fld id="{30578ACC-22D6-47C1-A373-4FD133E34F3C}" type="datetimeFigureOut">
               <a:rPr lang="en-US"/>
-              <a:t>10/3/2020</a:t>
+              <a:t>10/4/2020</a:t>
             </a:fld>
-            <a:endParaRPr lang="en-US"/>
+            <a:endParaRPr lang="en-US" dirty="0"/>
           </a:p>
         </p:txBody>
       </p:sp>
@@ -5143,7 +5143,7 @@
           <a:bodyPr/>
           <a:lstStyle/>
           <a:p>
-            <a:endParaRPr lang="en-US"/>
+            <a:endParaRPr lang="en-US" dirty="0"/>
           </a:p>
         </p:txBody>
       </p:sp>
@@ -5171,7 +5171,7 @@
               <a:rPr lang="en-US"/>
               <a:t>‹Nº›</a:t>
             </a:fld>
-            <a:endParaRPr lang="en-US"/>
+            <a:endParaRPr lang="en-US" dirty="0"/>
           </a:p>
         </p:txBody>
       </p:sp>
@@ -5305,7 +5305,7 @@
           <a:bodyPr/>
           <a:lstStyle/>
           <a:p>
-            <a:endParaRPr/>
+            <a:endParaRPr dirty="0"/>
           </a:p>
         </p:txBody>
       </p:sp>
@@ -5350,7 +5350,7 @@
           <a:bodyPr/>
           <a:lstStyle/>
           <a:p>
-            <a:endParaRPr/>
+            <a:endParaRPr dirty="0"/>
           </a:p>
         </p:txBody>
       </p:sp>
@@ -5508,9 +5508,9 @@
           <a:p>
             <a:fld id="{4E5A6C69-6797-4E8A-BF37-F2C3751466E9}" type="datetimeFigureOut">
               <a:rPr lang="en-US"/>
-              <a:t>10/3/2020</a:t>
+              <a:t>10/4/2020</a:t>
             </a:fld>
-            <a:endParaRPr lang="en-US"/>
+            <a:endParaRPr lang="en-US" dirty="0"/>
           </a:p>
         </p:txBody>
       </p:sp>
@@ -5529,7 +5529,7 @@
           <a:bodyPr/>
           <a:lstStyle/>
           <a:p>
-            <a:endParaRPr lang="en-US"/>
+            <a:endParaRPr lang="en-US" dirty="0"/>
           </a:p>
         </p:txBody>
       </p:sp>
@@ -5552,7 +5552,7 @@
               <a:rPr lang="en-US"/>
               <a:t>‹Nº›</a:t>
             </a:fld>
-            <a:endParaRPr lang="en-US"/>
+            <a:endParaRPr lang="en-US" dirty="0"/>
           </a:p>
         </p:txBody>
       </p:sp>
@@ -5686,7 +5686,7 @@
           <a:bodyPr/>
           <a:lstStyle/>
           <a:p>
-            <a:endParaRPr/>
+            <a:endParaRPr dirty="0"/>
           </a:p>
         </p:txBody>
       </p:sp>
@@ -5731,7 +5731,7 @@
           <a:bodyPr/>
           <a:lstStyle/>
           <a:p>
-            <a:endParaRPr/>
+            <a:endParaRPr dirty="0"/>
           </a:p>
         </p:txBody>
       </p:sp>
@@ -6024,9 +6024,9 @@
           <a:p>
             <a:fld id="{D82014A1-A632-4878-A0D3-F52BA7563730}" type="datetimeFigureOut">
               <a:rPr lang="en-US"/>
-              <a:t>10/3/2020</a:t>
+              <a:t>10/4/2020</a:t>
             </a:fld>
-            <a:endParaRPr lang="en-US"/>
+            <a:endParaRPr lang="en-US" dirty="0"/>
           </a:p>
         </p:txBody>
       </p:sp>
@@ -6045,7 +6045,7 @@
           <a:bodyPr/>
           <a:lstStyle/>
           <a:p>
-            <a:endParaRPr lang="en-US"/>
+            <a:endParaRPr lang="en-US" dirty="0"/>
           </a:p>
         </p:txBody>
       </p:sp>
@@ -6068,7 +6068,7 @@
               <a:rPr lang="en-US"/>
               <a:t>‹Nº›</a:t>
             </a:fld>
-            <a:endParaRPr lang="en-US"/>
+            <a:endParaRPr lang="en-US" dirty="0"/>
           </a:p>
         </p:txBody>
       </p:sp>
@@ -6202,7 +6202,7 @@
           <a:bodyPr/>
           <a:lstStyle/>
           <a:p>
-            <a:endParaRPr/>
+            <a:endParaRPr dirty="0"/>
           </a:p>
         </p:txBody>
       </p:sp>
@@ -6247,7 +6247,7 @@
           <a:bodyPr/>
           <a:lstStyle/>
           <a:p>
-            <a:endParaRPr/>
+            <a:endParaRPr dirty="0"/>
           </a:p>
         </p:txBody>
       </p:sp>
@@ -6291,9 +6291,9 @@
           <a:p>
             <a:fld id="{CE99F462-093F-4566-844B-4C71F2739DA5}" type="datetimeFigureOut">
               <a:rPr lang="en-US"/>
-              <a:t>10/3/2020</a:t>
+              <a:t>10/4/2020</a:t>
             </a:fld>
-            <a:endParaRPr lang="en-US"/>
+            <a:endParaRPr lang="en-US" dirty="0"/>
           </a:p>
         </p:txBody>
       </p:sp>
@@ -6312,7 +6312,7 @@
           <a:bodyPr/>
           <a:lstStyle/>
           <a:p>
-            <a:endParaRPr lang="en-US"/>
+            <a:endParaRPr lang="en-US" dirty="0"/>
           </a:p>
         </p:txBody>
       </p:sp>
@@ -6335,7 +6335,7 @@
               <a:rPr lang="en-US"/>
               <a:t>‹Nº›</a:t>
             </a:fld>
-            <a:endParaRPr lang="en-US"/>
+            <a:endParaRPr lang="en-US" dirty="0"/>
           </a:p>
         </p:txBody>
       </p:sp>
@@ -6436,7 +6436,7 @@
           <a:bodyPr/>
           <a:lstStyle/>
           <a:p>
-            <a:endParaRPr/>
+            <a:endParaRPr dirty="0"/>
           </a:p>
         </p:txBody>
       </p:sp>
@@ -6457,9 +6457,9 @@
           <a:p>
             <a:fld id="{3D24A7AC-904D-4781-85BA-7D10C17ED021}" type="datetimeFigureOut">
               <a:rPr lang="en-US"/>
-              <a:t>10/3/2020</a:t>
+              <a:t>10/4/2020</a:t>
             </a:fld>
-            <a:endParaRPr lang="en-US"/>
+            <a:endParaRPr lang="en-US" dirty="0"/>
           </a:p>
         </p:txBody>
       </p:sp>
@@ -6478,7 +6478,7 @@
           <a:bodyPr/>
           <a:lstStyle/>
           <a:p>
-            <a:endParaRPr lang="en-US"/>
+            <a:endParaRPr lang="en-US" dirty="0"/>
           </a:p>
         </p:txBody>
       </p:sp>
@@ -6501,7 +6501,7 @@
               <a:rPr lang="en-US"/>
               <a:t>‹Nº›</a:t>
             </a:fld>
-            <a:endParaRPr lang="en-US"/>
+            <a:endParaRPr lang="en-US" dirty="0"/>
           </a:p>
         </p:txBody>
       </p:sp>
@@ -6635,7 +6635,7 @@
           <a:bodyPr/>
           <a:lstStyle/>
           <a:p>
-            <a:endParaRPr/>
+            <a:endParaRPr dirty="0"/>
           </a:p>
         </p:txBody>
       </p:sp>
@@ -6680,7 +6680,7 @@
           <a:bodyPr/>
           <a:lstStyle/>
           <a:p>
-            <a:endParaRPr/>
+            <a:endParaRPr dirty="0"/>
           </a:p>
         </p:txBody>
       </p:sp>
@@ -6857,9 +6857,9 @@
           <a:p>
             <a:fld id="{E331444B-B92B-4E27-8C94-BB93EAF5CB18}" type="datetimeFigureOut">
               <a:rPr lang="en-US"/>
-              <a:t>10/3/2020</a:t>
+              <a:t>10/4/2020</a:t>
             </a:fld>
-            <a:endParaRPr lang="en-US"/>
+            <a:endParaRPr lang="en-US" dirty="0"/>
           </a:p>
         </p:txBody>
       </p:sp>
@@ -6878,7 +6878,7 @@
           <a:bodyPr/>
           <a:lstStyle/>
           <a:p>
-            <a:endParaRPr lang="en-US"/>
+            <a:endParaRPr lang="en-US" dirty="0"/>
           </a:p>
         </p:txBody>
       </p:sp>
@@ -6901,7 +6901,7 @@
               <a:rPr lang="en-US"/>
               <a:t>‹Nº›</a:t>
             </a:fld>
-            <a:endParaRPr lang="en-US"/>
+            <a:endParaRPr lang="en-US" dirty="0"/>
           </a:p>
         </p:txBody>
       </p:sp>
@@ -7035,7 +7035,7 @@
           <a:bodyPr/>
           <a:lstStyle/>
           <a:p>
-            <a:endParaRPr/>
+            <a:endParaRPr dirty="0"/>
           </a:p>
         </p:txBody>
       </p:sp>
@@ -7080,7 +7080,7 @@
           <a:bodyPr/>
           <a:lstStyle/>
           <a:p>
-            <a:endParaRPr/>
+            <a:endParaRPr dirty="0"/>
           </a:p>
         </p:txBody>
       </p:sp>
@@ -7187,10 +7187,10 @@
           </a:lstStyle>
           <a:p>
             <a:r>
-              <a:rPr lang="es-ES" smtClean="0"/>
+              <a:rPr lang="es-ES" dirty="0" smtClean="0"/>
               <a:t>Haga clic en el icono para agregar una imagen</a:t>
             </a:r>
-            <a:endParaRPr lang="en-US"/>
+            <a:endParaRPr lang="en-US" dirty="0"/>
           </a:p>
         </p:txBody>
       </p:sp>
@@ -7276,9 +7276,9 @@
           <a:p>
             <a:fld id="{363EFA5E-FA76-400D-B3DC-F0BA90E6D107}" type="datetimeFigureOut">
               <a:rPr lang="en-US"/>
-              <a:t>10/3/2020</a:t>
+              <a:t>10/4/2020</a:t>
             </a:fld>
-            <a:endParaRPr lang="en-US"/>
+            <a:endParaRPr lang="en-US" dirty="0"/>
           </a:p>
         </p:txBody>
       </p:sp>
@@ -7297,7 +7297,7 @@
           <a:bodyPr/>
           <a:lstStyle/>
           <a:p>
-            <a:endParaRPr lang="en-US"/>
+            <a:endParaRPr lang="en-US" dirty="0"/>
           </a:p>
         </p:txBody>
       </p:sp>
@@ -7320,7 +7320,7 @@
               <a:rPr lang="en-US"/>
               <a:t>‹Nº›</a:t>
             </a:fld>
-            <a:endParaRPr lang="en-US"/>
+            <a:endParaRPr lang="en-US" dirty="0"/>
           </a:p>
         </p:txBody>
       </p:sp>
@@ -7516,9 +7516,9 @@
           <a:p>
             <a:fld id="{9D6E9DEC-419B-4CC5-A080-3B06BD5A8291}" type="datetimeFigureOut">
               <a:rPr lang="en-US"/>
-              <a:t>10/3/2020</a:t>
+              <a:t>10/4/2020</a:t>
             </a:fld>
-            <a:endParaRPr lang="en-US"/>
+            <a:endParaRPr lang="en-US" dirty="0"/>
           </a:p>
         </p:txBody>
       </p:sp>
@@ -7555,7 +7555,7 @@
             </a:lvl1pPr>
           </a:lstStyle>
           <a:p>
-            <a:endParaRPr lang="en-US"/>
+            <a:endParaRPr lang="en-US" dirty="0"/>
           </a:p>
         </p:txBody>
       </p:sp>
@@ -7596,7 +7596,7 @@
               <a:rPr lang="en-US"/>
               <a:t>‹Nº›</a:t>
             </a:fld>
-            <a:endParaRPr lang="en-US"/>
+            <a:endParaRPr lang="en-US" dirty="0"/>
           </a:p>
         </p:txBody>
       </p:sp>
@@ -7944,7 +7944,7 @@
               <a:rPr lang="en-US" sz="2800" smtClean="0">
                 <a:latin typeface="Arial" panose="020B0604020202020204" pitchFamily="34" charset="0"/>
               </a:rPr>
-              <a:t>Este es el titulo de la diapositiva: 03/10/2020 17:05:42</a:t>
+              <a:t>Este es el titulo de la diapositiva: 04/10/2020 16:44:54</a:t>
             </a:r>
             <a:endParaRPr lang="en-US" sz="2800">
               <a:latin typeface="Arial" panose="020B0604020202020204" pitchFamily="34" charset="0"/>
@@ -7973,7 +7973,10 @@
               <a:rPr lang="en-US" sz="2800" smtClean="0">
                 <a:latin typeface="Arial" panose="020B0604020202020204" pitchFamily="34" charset="0"/>
               </a:rPr>
-              <a:t>Este es el subtitulo de la diapositiva: 03/10/2020 17:05:42</a:t>
+              <a:t>Este es el subtitulo de la diapositiva: 
+Prueba de contexto del manejo de presentaciones PowerPoint con el Nuget 
+ DOCUMENT FORMAT OPEN XML 
+04/10/2020 16:44:54</a:t>
             </a:r>
             <a:endParaRPr lang="en-US" sz="2800">
               <a:latin typeface="Arial" panose="020B0604020202020204" pitchFamily="34" charset="0"/>
@@ -7996,7 +7999,7 @@
 </file>
 
 <file path=ppt/slides/slide2.xml><?xml version="1.0" encoding="utf-8"?>
-<p:sld xmlns:p14="http://schemas.microsoft.com/office/powerpoint/2010/main" xmlns:a="http://schemas.openxmlformats.org/drawingml/2006/main" xmlns:r="http://schemas.openxmlformats.org/officeDocument/2006/relationships" xmlns:p="http://schemas.openxmlformats.org/presentationml/2006/main">
+<p:sld xmlns:a14="http://schemas.microsoft.com/office/drawing/2010/main" xmlns:p14="http://schemas.microsoft.com/office/powerpoint/2010/main" xmlns:a="http://schemas.openxmlformats.org/drawingml/2006/main" xmlns:r="http://schemas.openxmlformats.org/officeDocument/2006/relationships" xmlns:p="http://schemas.openxmlformats.org/presentationml/2006/main">
   <p:cSld>
     <p:spTree>
       <p:nvGrpSpPr>
@@ -8022,7 +8025,12 @@
             <p:ph type="ctrTitle"/>
           </p:nvPr>
         </p:nvSpPr>
-        <p:spPr xmlns:p="http://schemas.openxmlformats.org/presentationml/2006/main"/>
+        <p:spPr xmlns:p="http://schemas.openxmlformats.org/presentationml/2006/main">
+          <a:xfrm xmlns:a="http://schemas.openxmlformats.org/drawingml/2006/main">
+            <a:off x="471316" y="526086"/>
+            <a:ext cx="8144134" cy="1373070"/>
+          </a:xfrm>
+        </p:spPr>
         <p:txBody xmlns:p="http://schemas.openxmlformats.org/presentationml/2006/main">
           <a:bodyPr xmlns:a="http://schemas.openxmlformats.org/drawingml/2006/main"/>
           <a:lstStyle xmlns:a="http://schemas.openxmlformats.org/drawingml/2006/main"/>
@@ -8031,7 +8039,7 @@
               <a:rPr lang="en-US" sz="2800" smtClean="0">
                 <a:latin typeface="Arial" panose="020B0604020202020204" pitchFamily="34" charset="0"/>
               </a:rPr>
-              <a:t>Este es el titulo de la diapositiva: 03/10/2020 17:02:55</a:t>
+              <a:t>Este es el titulo de la diapositiva: 04/10/2020 17:54:00</a:t>
             </a:r>
             <a:endParaRPr lang="en-US" sz="2800">
               <a:latin typeface="Arial" panose="020B0604020202020204" pitchFamily="34" charset="0"/>
@@ -8049,16 +8057,26 @@
             <p:ph type="subTitle" idx="1"/>
           </p:nvPr>
         </p:nvSpPr>
-        <p:spPr xmlns:p="http://schemas.openxmlformats.org/presentationml/2006/main"/>
+        <p:spPr xmlns:p="http://schemas.openxmlformats.org/presentationml/2006/main">
+          <a:xfrm xmlns:a="http://schemas.openxmlformats.org/drawingml/2006/main">
+            <a:off x="732573" y="2800371"/>
+            <a:ext cx="8144134" cy="1117687"/>
+          </a:xfrm>
+        </p:spPr>
         <p:txBody xmlns:p="http://schemas.openxmlformats.org/presentationml/2006/main">
-          <a:bodyPr xmlns:a="http://schemas.openxmlformats.org/drawingml/2006/main"/>
+          <a:bodyPr xmlns:a="http://schemas.openxmlformats.org/drawingml/2006/main">
+            <a:normAutofit fontScale="62500" lnSpcReduction="20000"/>
+          </a:bodyPr>
           <a:lstStyle xmlns:a="http://schemas.openxmlformats.org/drawingml/2006/main"/>
           <a:p xmlns:a="http://schemas.openxmlformats.org/drawingml/2006/main">
             <a:r>
               <a:rPr lang="en-US" sz="2800" smtClean="0">
                 <a:latin typeface="Arial" panose="020B0604020202020204" pitchFamily="34" charset="0"/>
               </a:rPr>
-              <a:t>Este es el subtitulo de la diapositiva: 03/10/2020 17:02:55</a:t>
+              <a:t>Este es el subtitulo de la diapositiva: 
+Prueba de contexto del manejo de presentaciones PowerPoint con el Nuget 
+ DOCUMENT FORMAT OPEN XML 
+04/10/2020 17:54:00</a:t>
             </a:r>
             <a:endParaRPr lang="en-US" sz="2800">
               <a:latin typeface="Arial" panose="020B0604020202020204" pitchFamily="34" charset="0"/>
@@ -8066,6 +8084,36 @@
           </a:p>
         </p:txBody>
       </p:sp>
+      <p:pic>
+        <p:nvPicPr>
+          <p:cNvPr id="4" name="Imagen 3"/>
+          <p:cNvPicPr>
+            <a:picLocks noChangeAspect="1"/>
+          </p:cNvPicPr>
+          <p:nvPr/>
+        </p:nvPicPr>
+        <p:blipFill>
+          <a:blip r:embed="R6ef79b0920d84f28">
+            <a:extLst>
+              <a:ext uri="{28A0092B-C50C-407E-A947-70E740481C1C}">
+                <a14:useLocalDpi xmlns:a14="http://schemas.microsoft.com/office/drawing/2010/main" val="0"/>
+              </a:ext>
+            </a:extLst>
+          </a:blip>
+          <a:stretch>
+            <a:fillRect/>
+          </a:stretch>
+        </p:blipFill>
+        <p:spPr>
+          <a:xfrm>
+            <a:off x="9284424" y="526086"/>
+            <a:ext cx="2628901" cy="1224337"/>
+          </a:xfrm>
+          <a:prstGeom prst="rect">
+            <a:avLst/>
+          </a:prstGeom>
+        </p:spPr>
+      </p:pic>
     </p:spTree>
     <p:extLst>
       <p:ext uri="{BB962C8B-B14F-4D97-AF65-F5344CB8AC3E}">

--- a/OpenXmlDocumentFormatPPT/OpenXmlDocumentFormatPPT/TemplatePPT/Plantilla1.pptx
+++ b/OpenXmlDocumentFormatPPT/OpenXmlDocumentFormatPPT/TemplatePPT/Plantilla1.pptx
@@ -7907,7 +7907,7 @@
 </file>
 
 <file path=ppt/slides/slide1.xml><?xml version="1.0" encoding="utf-8"?>
-<p:sld xmlns:a="http://schemas.openxmlformats.org/drawingml/2006/main" xmlns:r="http://schemas.openxmlformats.org/officeDocument/2006/relationships" xmlns:p="http://schemas.openxmlformats.org/presentationml/2006/main">
+<p:sld xmlns:p14="http://schemas.microsoft.com/office/powerpoint/2010/main" xmlns:a="http://schemas.openxmlformats.org/drawingml/2006/main" xmlns:r="http://schemas.openxmlformats.org/officeDocument/2006/relationships" xmlns:p="http://schemas.openxmlformats.org/presentationml/2006/main">
   <p:cSld>
     <p:spTree>
       <p:nvGrpSpPr>
@@ -7924,27 +7924,27 @@
         </a:xfrm>
       </p:grpSpPr>
       <p:sp>
-        <p:nvSpPr>
+        <p:nvSpPr xmlns:p="http://schemas.openxmlformats.org/presentationml/2006/main">
           <p:cNvPr id="2" name="Título 1"/>
           <p:cNvSpPr>
-            <a:spLocks noGrp="1"/>
+            <a:spLocks xmlns:a="http://schemas.openxmlformats.org/drawingml/2006/main" noGrp="1"/>
           </p:cNvSpPr>
           <p:nvPr>
             <p:ph type="title"/>
           </p:nvPr>
         </p:nvSpPr>
-        <p:spPr/>
-        <p:txBody>
-          <a:bodyPr>
+        <p:spPr xmlns:p="http://schemas.openxmlformats.org/presentationml/2006/main"/>
+        <p:txBody xmlns:p="http://schemas.openxmlformats.org/presentationml/2006/main">
+          <a:bodyPr xmlns:a="http://schemas.openxmlformats.org/drawingml/2006/main">
             <a:normAutofit/>
           </a:bodyPr>
-          <a:lstStyle/>
-          <a:p>
+          <a:lstStyle xmlns:a="http://schemas.openxmlformats.org/drawingml/2006/main"/>
+          <a:p xmlns:a="http://schemas.openxmlformats.org/drawingml/2006/main">
             <a:r>
               <a:rPr lang="es-VE" sz="3200" smtClean="0">
                 <a:latin typeface="Arial" panose="020B0604020202020204" pitchFamily="34" charset="0"/>
               </a:rPr>
-              <a:t>Este es el titulo de la diapositiva: 03/10/2020 12:33:17</a:t>
+              <a:t>Este es el titulo de la diapositiva: 03/10/2020 18:55:43</a:t>
             </a:r>
             <a:endParaRPr lang="en-US" sz="3200">
               <a:latin typeface="Arial" panose="020B0604020202020204" pitchFamily="34" charset="0"/>
@@ -7953,27 +7953,27 @@
         </p:txBody>
       </p:sp>
       <p:sp>
-        <p:nvSpPr>
+        <p:nvSpPr xmlns:p="http://schemas.openxmlformats.org/presentationml/2006/main">
           <p:cNvPr id="3" name="Marcador de contenido 2"/>
           <p:cNvSpPr>
-            <a:spLocks noGrp="1"/>
+            <a:spLocks xmlns:a="http://schemas.openxmlformats.org/drawingml/2006/main" noGrp="1"/>
           </p:cNvSpPr>
           <p:nvPr>
             <p:ph idx="1"/>
           </p:nvPr>
         </p:nvSpPr>
-        <p:spPr/>
-        <p:txBody>
-          <a:bodyPr>
+        <p:spPr xmlns:p="http://schemas.openxmlformats.org/presentationml/2006/main"/>
+        <p:txBody xmlns:p="http://schemas.openxmlformats.org/presentationml/2006/main">
+          <a:bodyPr xmlns:a="http://schemas.openxmlformats.org/drawingml/2006/main">
             <a:normAutofit/>
           </a:bodyPr>
-          <a:lstStyle/>
-          <a:p>
+          <a:lstStyle xmlns:a="http://schemas.openxmlformats.org/drawingml/2006/main"/>
+          <a:p xmlns:a="http://schemas.openxmlformats.org/drawingml/2006/main">
             <a:r>
               <a:rPr lang="en-US" sz="2800" smtClean="0">
                 <a:latin typeface="Arial" panose="020B0604020202020204" pitchFamily="34" charset="0"/>
               </a:rPr>
-              <a:t>Este es el subtitulo de la diapositiva: 03/10/2020 12:33:17</a:t>
+              <a:t>Este es el subtitulo de la diapositiva: 03/10/2020 18:55:43</a:t>
             </a:r>
             <a:endParaRPr lang="en-US" sz="2800">
               <a:latin typeface="Arial" panose="020B0604020202020204" pitchFamily="34" charset="0"/>

--- a/OpenXmlDocumentFormatPPT/OpenXmlDocumentFormatPPT/TemplatePPT/Plantilla1.pptx
+++ b/OpenXmlDocumentFormatPPT/OpenXmlDocumentFormatPPT/TemplatePPT/Plantilla1.pptx
@@ -7944,7 +7944,7 @@
               <a:rPr lang="en-US" sz="2800" smtClean="0">
                 <a:latin typeface="Arial" panose="020B0604020202020204" pitchFamily="34" charset="0"/>
               </a:rPr>
-              <a:t>Este es el titulo de la diapositiva: 04/10/2020 16:44:54</a:t>
+              <a:t>Este es el titulo de la diapositiva: 20/10/2020 14:34:05</a:t>
             </a:r>
             <a:endParaRPr lang="en-US" sz="2800">
               <a:latin typeface="Arial" panose="020B0604020202020204" pitchFamily="34" charset="0"/>
@@ -7976,7 +7976,7 @@
               <a:t>Este es el subtitulo de la diapositiva: 
 Prueba de contexto del manejo de presentaciones PowerPoint con el Nuget 
  DOCUMENT FORMAT OPEN XML 
-04/10/2020 16:44:54</a:t>
+20/10/2020 14:34:05</a:t>
             </a:r>
             <a:endParaRPr lang="en-US" sz="2800">
               <a:latin typeface="Arial" panose="020B0604020202020204" pitchFamily="34" charset="0"/>
